--- a/CMS_3D_Core/仕様関連文書/DB設計.pptx
+++ b/CMS_3D_Core/仕様関連文書/DB設計.pptx
@@ -5,7 +5,8 @@
     <p:sldMasterId id="2147483648" r:id="rId1"/>
   </p:sldMasterIdLst>
   <p:sldIdLst>
-    <p:sldId id="256" r:id="rId2"/>
+    <p:sldId id="257" r:id="rId2"/>
+    <p:sldId id="256" r:id="rId3"/>
   </p:sldIdLst>
   <p:sldSz cx="12192000" cy="6858000"/>
   <p:notesSz cx="6858000" cy="9144000"/>
@@ -259,7 +260,7 @@
           <a:p>
             <a:fld id="{279F6B8A-7C96-4501-8986-0F9BC88F4AA1}" type="datetimeFigureOut">
               <a:rPr kumimoji="1" lang="ja-JP" altLang="en-US" smtClean="0"/>
-              <a:t>2021/7/17</a:t>
+              <a:t>2021/8/28</a:t>
             </a:fld>
             <a:endParaRPr kumimoji="1" lang="ja-JP" altLang="en-US"/>
           </a:p>
@@ -489,7 +490,7 @@
           <a:p>
             <a:fld id="{279F6B8A-7C96-4501-8986-0F9BC88F4AA1}" type="datetimeFigureOut">
               <a:rPr kumimoji="1" lang="ja-JP" altLang="en-US" smtClean="0"/>
-              <a:t>2021/7/17</a:t>
+              <a:t>2021/8/28</a:t>
             </a:fld>
             <a:endParaRPr kumimoji="1" lang="ja-JP" altLang="en-US"/>
           </a:p>
@@ -729,7 +730,7 @@
           <a:p>
             <a:fld id="{279F6B8A-7C96-4501-8986-0F9BC88F4AA1}" type="datetimeFigureOut">
               <a:rPr kumimoji="1" lang="ja-JP" altLang="en-US" smtClean="0"/>
-              <a:t>2021/7/17</a:t>
+              <a:t>2021/8/28</a:t>
             </a:fld>
             <a:endParaRPr kumimoji="1" lang="ja-JP" altLang="en-US"/>
           </a:p>
@@ -959,7 +960,7 @@
           <a:p>
             <a:fld id="{279F6B8A-7C96-4501-8986-0F9BC88F4AA1}" type="datetimeFigureOut">
               <a:rPr kumimoji="1" lang="ja-JP" altLang="en-US" smtClean="0"/>
-              <a:t>2021/7/17</a:t>
+              <a:t>2021/8/28</a:t>
             </a:fld>
             <a:endParaRPr kumimoji="1" lang="ja-JP" altLang="en-US"/>
           </a:p>
@@ -1234,7 +1235,7 @@
           <a:p>
             <a:fld id="{279F6B8A-7C96-4501-8986-0F9BC88F4AA1}" type="datetimeFigureOut">
               <a:rPr kumimoji="1" lang="ja-JP" altLang="en-US" smtClean="0"/>
-              <a:t>2021/7/17</a:t>
+              <a:t>2021/8/28</a:t>
             </a:fld>
             <a:endParaRPr kumimoji="1" lang="ja-JP" altLang="en-US"/>
           </a:p>
@@ -1563,7 +1564,7 @@
           <a:p>
             <a:fld id="{279F6B8A-7C96-4501-8986-0F9BC88F4AA1}" type="datetimeFigureOut">
               <a:rPr kumimoji="1" lang="ja-JP" altLang="en-US" smtClean="0"/>
-              <a:t>2021/7/17</a:t>
+              <a:t>2021/8/28</a:t>
             </a:fld>
             <a:endParaRPr kumimoji="1" lang="ja-JP" altLang="en-US"/>
           </a:p>
@@ -2039,7 +2040,7 @@
           <a:p>
             <a:fld id="{279F6B8A-7C96-4501-8986-0F9BC88F4AA1}" type="datetimeFigureOut">
               <a:rPr kumimoji="1" lang="ja-JP" altLang="en-US" smtClean="0"/>
-              <a:t>2021/7/17</a:t>
+              <a:t>2021/8/28</a:t>
             </a:fld>
             <a:endParaRPr kumimoji="1" lang="ja-JP" altLang="en-US"/>
           </a:p>
@@ -2180,7 +2181,7 @@
           <a:p>
             <a:fld id="{279F6B8A-7C96-4501-8986-0F9BC88F4AA1}" type="datetimeFigureOut">
               <a:rPr kumimoji="1" lang="ja-JP" altLang="en-US" smtClean="0"/>
-              <a:t>2021/7/17</a:t>
+              <a:t>2021/8/28</a:t>
             </a:fld>
             <a:endParaRPr kumimoji="1" lang="ja-JP" altLang="en-US"/>
           </a:p>
@@ -2293,7 +2294,7 @@
           <a:p>
             <a:fld id="{279F6B8A-7C96-4501-8986-0F9BC88F4AA1}" type="datetimeFigureOut">
               <a:rPr kumimoji="1" lang="ja-JP" altLang="en-US" smtClean="0"/>
-              <a:t>2021/7/17</a:t>
+              <a:t>2021/8/28</a:t>
             </a:fld>
             <a:endParaRPr kumimoji="1" lang="ja-JP" altLang="en-US"/>
           </a:p>
@@ -2636,7 +2637,7 @@
           <a:p>
             <a:fld id="{279F6B8A-7C96-4501-8986-0F9BC88F4AA1}" type="datetimeFigureOut">
               <a:rPr kumimoji="1" lang="ja-JP" altLang="en-US" smtClean="0"/>
-              <a:t>2021/7/17</a:t>
+              <a:t>2021/8/28</a:t>
             </a:fld>
             <a:endParaRPr kumimoji="1" lang="ja-JP" altLang="en-US"/>
           </a:p>
@@ -2924,7 +2925,7 @@
           <a:p>
             <a:fld id="{279F6B8A-7C96-4501-8986-0F9BC88F4AA1}" type="datetimeFigureOut">
               <a:rPr kumimoji="1" lang="ja-JP" altLang="en-US" smtClean="0"/>
-              <a:t>2021/7/17</a:t>
+              <a:t>2021/8/28</a:t>
             </a:fld>
             <a:endParaRPr kumimoji="1" lang="ja-JP" altLang="en-US"/>
           </a:p>
@@ -3197,7 +3198,7 @@
           <a:p>
             <a:fld id="{279F6B8A-7C96-4501-8986-0F9BC88F4AA1}" type="datetimeFigureOut">
               <a:rPr kumimoji="1" lang="ja-JP" altLang="en-US" smtClean="0"/>
-              <a:t>2021/7/17</a:t>
+              <a:t>2021/8/28</a:t>
             </a:fld>
             <a:endParaRPr kumimoji="1" lang="ja-JP" altLang="en-US"/>
           </a:p>
@@ -3616,6 +3617,66 @@
       </p:grpSpPr>
       <p:pic>
         <p:nvPicPr>
+          <p:cNvPr id="7" name="図 6">
+            <a:extLst>
+              <a:ext uri="{FF2B5EF4-FFF2-40B4-BE49-F238E27FC236}">
+                <a16:creationId xmlns:a16="http://schemas.microsoft.com/office/drawing/2014/main" id="{95D38EF4-D13C-4B36-A288-0DC786E28C95}"/>
+              </a:ext>
+            </a:extLst>
+          </p:cNvPr>
+          <p:cNvPicPr>
+            <a:picLocks noChangeAspect="1"/>
+          </p:cNvPicPr>
+          <p:nvPr/>
+        </p:nvPicPr>
+        <p:blipFill>
+          <a:blip r:embed="rId2"/>
+          <a:stretch>
+            <a:fillRect/>
+          </a:stretch>
+        </p:blipFill>
+        <p:spPr>
+          <a:xfrm>
+            <a:off x="1714485" y="526716"/>
+            <a:ext cx="8411027" cy="5804568"/>
+          </a:xfrm>
+          <a:prstGeom prst="rect">
+            <a:avLst/>
+          </a:prstGeom>
+        </p:spPr>
+      </p:pic>
+    </p:spTree>
+    <p:extLst>
+      <p:ext uri="{BB962C8B-B14F-4D97-AF65-F5344CB8AC3E}">
+        <p14:creationId xmlns:p14="http://schemas.microsoft.com/office/powerpoint/2010/main" val="2618553779"/>
+      </p:ext>
+    </p:extLst>
+  </p:cSld>
+  <p:clrMapOvr>
+    <a:masterClrMapping/>
+  </p:clrMapOvr>
+</p:sld>
+</file>
+
+<file path=ppt/slides/slide2.xml><?xml version="1.0" encoding="utf-8"?>
+<p:sld xmlns:a="http://schemas.openxmlformats.org/drawingml/2006/main" xmlns:r="http://schemas.openxmlformats.org/officeDocument/2006/relationships" xmlns:p="http://schemas.openxmlformats.org/presentationml/2006/main">
+  <p:cSld>
+    <p:spTree>
+      <p:nvGrpSpPr>
+        <p:cNvPr id="1" name=""/>
+        <p:cNvGrpSpPr/>
+        <p:nvPr/>
+      </p:nvGrpSpPr>
+      <p:grpSpPr>
+        <a:xfrm>
+          <a:off x="0" y="0"/>
+          <a:ext cx="0" cy="0"/>
+          <a:chOff x="0" y="0"/>
+          <a:chExt cx="0" cy="0"/>
+        </a:xfrm>
+      </p:grpSpPr>
+      <p:pic>
+        <p:nvPicPr>
           <p:cNvPr id="5" name="図 4">
             <a:extLst>
               <a:ext uri="{FF2B5EF4-FFF2-40B4-BE49-F238E27FC236}">
